--- a/splash.pptx
+++ b/splash.pptx
@@ -104,6 +104,11 @@
       </a:defRPr>
     </a:lvl9pPr>
   </p:defaultTextStyle>
+  <p:extLst>
+    <p:ext uri="{EFAFB233-063F-42B5-8137-9DF3F51BA10A}">
+      <p15:sldGuideLst xmlns:p15="http://schemas.microsoft.com/office/powerpoint/2012/main"/>
+    </p:ext>
+  </p:extLst>
 </p:presentation>
 </file>
 
@@ -3321,7 +3326,7 @@
           <a:chExt cx="0" cy="0"/>
         </a:xfrm>
       </p:grpSpPr>
-      <p:sp useBgFill="1">
+      <p:sp>
         <p:nvSpPr>
           <p:cNvPr id="4" name="矩形: 圆角 3">
             <a:extLst>
@@ -3343,21 +3348,16 @@
               <a:gd name="adj" fmla="val 17516"/>
             </a:avLst>
           </a:prstGeom>
-          <a:ln w="0" cap="sq">
+          <a:noFill/>
+          <a:ln w="25400" cap="sq">
             <a:solidFill>
-              <a:schemeClr val="tx1">
-                <a:alpha val="10000"/>
+              <a:schemeClr val="bg1">
+                <a:lumMod val="75000"/>
               </a:schemeClr>
             </a:solidFill>
             <a:round/>
           </a:ln>
-          <a:effectLst>
-            <a:glow rad="114300">
-              <a:schemeClr val="tx2">
-                <a:alpha val="40000"/>
-              </a:schemeClr>
-            </a:glow>
-          </a:effectLst>
+          <a:effectLst/>
         </p:spPr>
         <p:style>
           <a:lnRef idx="2">

--- a/splash.pptx
+++ b/splash.pptx
@@ -3348,12 +3348,12 @@
               <a:gd name="adj" fmla="val 17516"/>
             </a:avLst>
           </a:prstGeom>
-          <a:noFill/>
+          <a:solidFill>
+            <a:schemeClr val="bg1"/>
+          </a:solidFill>
           <a:ln w="25400" cap="sq">
             <a:solidFill>
-              <a:schemeClr val="bg1">
-                <a:lumMod val="75000"/>
-              </a:schemeClr>
+              <a:schemeClr val="tx1"/>
             </a:solidFill>
             <a:round/>
           </a:ln>

--- a/splash.pptx
+++ b/splash.pptx
@@ -3312,6 +3312,14 @@
 <file path=ppt/slides/slide1.xml><?xml version="1.0" encoding="utf-8"?>
 <p:sld xmlns:a="http://schemas.openxmlformats.org/drawingml/2006/main" xmlns:r="http://schemas.openxmlformats.org/officeDocument/2006/relationships" xmlns:p="http://schemas.openxmlformats.org/presentationml/2006/main">
   <p:cSld>
+    <p:bg>
+      <p:bgPr>
+        <a:solidFill>
+          <a:schemeClr val="tx1"/>
+        </a:solidFill>
+        <a:effectLst/>
+      </p:bgPr>
+    </p:bg>
     <p:spTree>
       <p:nvGrpSpPr>
         <p:cNvPr id="1" name=""/>
@@ -3351,13 +3359,15 @@
           <a:solidFill>
             <a:schemeClr val="bg1"/>
           </a:solidFill>
-          <a:ln w="25400" cap="sq">
-            <a:solidFill>
-              <a:schemeClr val="tx1"/>
-            </a:solidFill>
+          <a:ln w="0" cap="sq">
+            <a:noFill/>
             <a:round/>
           </a:ln>
-          <a:effectLst/>
+          <a:effectLst>
+            <a:glow>
+              <a:schemeClr val="bg1"/>
+            </a:glow>
+          </a:effectLst>
         </p:spPr>
         <p:style>
           <a:lnRef idx="2">

--- a/splash.pptx
+++ b/splash.pptx
@@ -3315,7 +3315,7 @@
     <p:bg>
       <p:bgPr>
         <a:solidFill>
-          <a:schemeClr val="tx1"/>
+          <a:schemeClr val="bg1"/>
         </a:solidFill>
         <a:effectLst/>
       </p:bgPr>
@@ -3353,15 +3353,176 @@
           </a:xfrm>
           <a:prstGeom prst="roundRect">
             <a:avLst>
-              <a:gd name="adj" fmla="val 17516"/>
+              <a:gd name="adj" fmla="val 13315"/>
             </a:avLst>
           </a:prstGeom>
           <a:solidFill>
             <a:schemeClr val="bg1"/>
           </a:solidFill>
-          <a:ln w="0" cap="sq">
-            <a:noFill/>
+          <a:ln w="25400" cap="sq" cmpd="sng">
+            <a:solidFill>
+              <a:schemeClr val="accent1">
+                <a:shade val="15000"/>
+              </a:schemeClr>
+            </a:solidFill>
             <a:round/>
+            <a:extLst>
+              <a:ext uri="{C807C97D-BFC1-408E-A445-0C87EB9F89A2}">
+                <ask:lineSketchStyleProps xmlns:ask="http://schemas.microsoft.com/office/drawing/2018/sketchyshapes" sd="1219033472">
+                  <a:custGeom>
+                    <a:avLst/>
+                    <a:gdLst>
+                      <a:gd name="connsiteX0" fmla="*/ 0 w 7826991"/>
+                      <a:gd name="connsiteY0" fmla="*/ 748686 h 5622878"/>
+                      <a:gd name="connsiteX1" fmla="*/ 748686 w 7826991"/>
+                      <a:gd name="connsiteY1" fmla="*/ 0 h 5622878"/>
+                      <a:gd name="connsiteX2" fmla="*/ 7078305 w 7826991"/>
+                      <a:gd name="connsiteY2" fmla="*/ 0 h 5622878"/>
+                      <a:gd name="connsiteX3" fmla="*/ 7826991 w 7826991"/>
+                      <a:gd name="connsiteY3" fmla="*/ 748686 h 5622878"/>
+                      <a:gd name="connsiteX4" fmla="*/ 7826991 w 7826991"/>
+                      <a:gd name="connsiteY4" fmla="*/ 4874192 h 5622878"/>
+                      <a:gd name="connsiteX5" fmla="*/ 7078305 w 7826991"/>
+                      <a:gd name="connsiteY5" fmla="*/ 5622878 h 5622878"/>
+                      <a:gd name="connsiteX6" fmla="*/ 748686 w 7826991"/>
+                      <a:gd name="connsiteY6" fmla="*/ 5622878 h 5622878"/>
+                      <a:gd name="connsiteX7" fmla="*/ 0 w 7826991"/>
+                      <a:gd name="connsiteY7" fmla="*/ 4874192 h 5622878"/>
+                      <a:gd name="connsiteX8" fmla="*/ 0 w 7826991"/>
+                      <a:gd name="connsiteY8" fmla="*/ 748686 h 5622878"/>
+                    </a:gdLst>
+                    <a:ahLst/>
+                    <a:cxnLst>
+                      <a:cxn ang="0">
+                        <a:pos x="connsiteX0" y="connsiteY0"/>
+                      </a:cxn>
+                      <a:cxn ang="0">
+                        <a:pos x="connsiteX1" y="connsiteY1"/>
+                      </a:cxn>
+                      <a:cxn ang="0">
+                        <a:pos x="connsiteX2" y="connsiteY2"/>
+                      </a:cxn>
+                      <a:cxn ang="0">
+                        <a:pos x="connsiteX3" y="connsiteY3"/>
+                      </a:cxn>
+                      <a:cxn ang="0">
+                        <a:pos x="connsiteX4" y="connsiteY4"/>
+                      </a:cxn>
+                      <a:cxn ang="0">
+                        <a:pos x="connsiteX5" y="connsiteY5"/>
+                      </a:cxn>
+                      <a:cxn ang="0">
+                        <a:pos x="connsiteX6" y="connsiteY6"/>
+                      </a:cxn>
+                      <a:cxn ang="0">
+                        <a:pos x="connsiteX7" y="connsiteY7"/>
+                      </a:cxn>
+                      <a:cxn ang="0">
+                        <a:pos x="connsiteX8" y="connsiteY8"/>
+                      </a:cxn>
+                    </a:cxnLst>
+                    <a:rect l="l" t="t" r="r" b="b"/>
+                    <a:pathLst>
+                      <a:path w="7826991" h="5622878" fill="none" extrusionOk="0">
+                        <a:moveTo>
+                          <a:pt x="0" y="748686"/>
+                        </a:moveTo>
+                        <a:cubicBezTo>
+                          <a:pt x="-33649" y="329755"/>
+                          <a:pt x="393499" y="47680"/>
+                          <a:pt x="748686" y="0"/>
+                        </a:cubicBezTo>
+                        <a:cubicBezTo>
+                          <a:pt x="1594998" y="130954"/>
+                          <a:pt x="6093723" y="43574"/>
+                          <a:pt x="7078305" y="0"/>
+                        </a:cubicBezTo>
+                        <a:cubicBezTo>
+                          <a:pt x="7535012" y="66572"/>
+                          <a:pt x="7870676" y="388709"/>
+                          <a:pt x="7826991" y="748686"/>
+                        </a:cubicBezTo>
+                        <a:cubicBezTo>
+                          <a:pt x="7676552" y="1758891"/>
+                          <a:pt x="7912870" y="3615543"/>
+                          <a:pt x="7826991" y="4874192"/>
+                        </a:cubicBezTo>
+                        <a:cubicBezTo>
+                          <a:pt x="7807671" y="5290853"/>
+                          <a:pt x="7468115" y="5606541"/>
+                          <a:pt x="7078305" y="5622878"/>
+                        </a:cubicBezTo>
+                        <a:cubicBezTo>
+                          <a:pt x="5539685" y="5778075"/>
+                          <a:pt x="2903848" y="5785898"/>
+                          <a:pt x="748686" y="5622878"/>
+                        </a:cubicBezTo>
+                        <a:cubicBezTo>
+                          <a:pt x="341133" y="5542599"/>
+                          <a:pt x="-26244" y="5303004"/>
+                          <a:pt x="0" y="4874192"/>
+                        </a:cubicBezTo>
+                        <a:cubicBezTo>
+                          <a:pt x="64656" y="2826225"/>
+                          <a:pt x="-17807" y="1787279"/>
+                          <a:pt x="0" y="748686"/>
+                        </a:cubicBezTo>
+                        <a:close/>
+                      </a:path>
+                      <a:path w="7826991" h="5622878" stroke="0" extrusionOk="0">
+                        <a:moveTo>
+                          <a:pt x="0" y="748686"/>
+                        </a:moveTo>
+                        <a:cubicBezTo>
+                          <a:pt x="-41329" y="309705"/>
+                          <a:pt x="324457" y="4031"/>
+                          <a:pt x="748686" y="0"/>
+                        </a:cubicBezTo>
+                        <a:cubicBezTo>
+                          <a:pt x="2218579" y="132882"/>
+                          <a:pt x="4520408" y="-84951"/>
+                          <a:pt x="7078305" y="0"/>
+                        </a:cubicBezTo>
+                        <a:cubicBezTo>
+                          <a:pt x="7475138" y="16264"/>
+                          <a:pt x="7818282" y="383336"/>
+                          <a:pt x="7826991" y="748686"/>
+                        </a:cubicBezTo>
+                        <a:cubicBezTo>
+                          <a:pt x="7847178" y="1167280"/>
+                          <a:pt x="7979471" y="4294730"/>
+                          <a:pt x="7826991" y="4874192"/>
+                        </a:cubicBezTo>
+                        <a:cubicBezTo>
+                          <a:pt x="7849755" y="5290381"/>
+                          <a:pt x="7509134" y="5587190"/>
+                          <a:pt x="7078305" y="5622878"/>
+                        </a:cubicBezTo>
+                        <a:cubicBezTo>
+                          <a:pt x="4900607" y="5710517"/>
+                          <a:pt x="1827662" y="5550199"/>
+                          <a:pt x="748686" y="5622878"/>
+                        </a:cubicBezTo>
+                        <a:cubicBezTo>
+                          <a:pt x="332769" y="5599709"/>
+                          <a:pt x="-48010" y="5354400"/>
+                          <a:pt x="0" y="4874192"/>
+                        </a:cubicBezTo>
+                        <a:cubicBezTo>
+                          <a:pt x="-38581" y="2944722"/>
+                          <a:pt x="63341" y="2802104"/>
+                          <a:pt x="0" y="748686"/>
+                        </a:cubicBezTo>
+                        <a:close/>
+                      </a:path>
+                    </a:pathLst>
+                  </a:custGeom>
+                  <ask:type>
+                    <ask:lineSketchNone/>
+                  </ask:type>
+                </ask:lineSketchStyleProps>
+              </a:ext>
+            </a:extLst>
           </a:ln>
           <a:effectLst>
             <a:glow>

--- a/splash.pptx
+++ b/splash.pptx
@@ -259,7 +259,7 @@
           <a:p>
             <a:fld id="{C3A49E63-E1C2-4566-AFCD-6A43F4D5919C}" type="datetimeFigureOut">
               <a:rPr lang="zh-CN" altLang="en-US" smtClean="0"/>
-              <a:t>2025/5/2</a:t>
+              <a:t>2025/5/6</a:t>
             </a:fld>
             <a:endParaRPr lang="zh-CN" altLang="en-US"/>
           </a:p>
@@ -457,7 +457,7 @@
           <a:p>
             <a:fld id="{C3A49E63-E1C2-4566-AFCD-6A43F4D5919C}" type="datetimeFigureOut">
               <a:rPr lang="zh-CN" altLang="en-US" smtClean="0"/>
-              <a:t>2025/5/2</a:t>
+              <a:t>2025/5/6</a:t>
             </a:fld>
             <a:endParaRPr lang="zh-CN" altLang="en-US"/>
           </a:p>
@@ -665,7 +665,7 @@
           <a:p>
             <a:fld id="{C3A49E63-E1C2-4566-AFCD-6A43F4D5919C}" type="datetimeFigureOut">
               <a:rPr lang="zh-CN" altLang="en-US" smtClean="0"/>
-              <a:t>2025/5/2</a:t>
+              <a:t>2025/5/6</a:t>
             </a:fld>
             <a:endParaRPr lang="zh-CN" altLang="en-US"/>
           </a:p>
@@ -863,7 +863,7 @@
           <a:p>
             <a:fld id="{C3A49E63-E1C2-4566-AFCD-6A43F4D5919C}" type="datetimeFigureOut">
               <a:rPr lang="zh-CN" altLang="en-US" smtClean="0"/>
-              <a:t>2025/5/2</a:t>
+              <a:t>2025/5/6</a:t>
             </a:fld>
             <a:endParaRPr lang="zh-CN" altLang="en-US"/>
           </a:p>
@@ -1138,7 +1138,7 @@
           <a:p>
             <a:fld id="{C3A49E63-E1C2-4566-AFCD-6A43F4D5919C}" type="datetimeFigureOut">
               <a:rPr lang="zh-CN" altLang="en-US" smtClean="0"/>
-              <a:t>2025/5/2</a:t>
+              <a:t>2025/5/6</a:t>
             </a:fld>
             <a:endParaRPr lang="zh-CN" altLang="en-US"/>
           </a:p>
@@ -1403,7 +1403,7 @@
           <a:p>
             <a:fld id="{C3A49E63-E1C2-4566-AFCD-6A43F4D5919C}" type="datetimeFigureOut">
               <a:rPr lang="zh-CN" altLang="en-US" smtClean="0"/>
-              <a:t>2025/5/2</a:t>
+              <a:t>2025/5/6</a:t>
             </a:fld>
             <a:endParaRPr lang="zh-CN" altLang="en-US"/>
           </a:p>
@@ -1815,7 +1815,7 @@
           <a:p>
             <a:fld id="{C3A49E63-E1C2-4566-AFCD-6A43F4D5919C}" type="datetimeFigureOut">
               <a:rPr lang="zh-CN" altLang="en-US" smtClean="0"/>
-              <a:t>2025/5/2</a:t>
+              <a:t>2025/5/6</a:t>
             </a:fld>
             <a:endParaRPr lang="zh-CN" altLang="en-US"/>
           </a:p>
@@ -1956,7 +1956,7 @@
           <a:p>
             <a:fld id="{C3A49E63-E1C2-4566-AFCD-6A43F4D5919C}" type="datetimeFigureOut">
               <a:rPr lang="zh-CN" altLang="en-US" smtClean="0"/>
-              <a:t>2025/5/2</a:t>
+              <a:t>2025/5/6</a:t>
             </a:fld>
             <a:endParaRPr lang="zh-CN" altLang="en-US"/>
           </a:p>
@@ -2069,7 +2069,7 @@
           <a:p>
             <a:fld id="{C3A49E63-E1C2-4566-AFCD-6A43F4D5919C}" type="datetimeFigureOut">
               <a:rPr lang="zh-CN" altLang="en-US" smtClean="0"/>
-              <a:t>2025/5/2</a:t>
+              <a:t>2025/5/6</a:t>
             </a:fld>
             <a:endParaRPr lang="zh-CN" altLang="en-US"/>
           </a:p>
@@ -2380,7 +2380,7 @@
           <a:p>
             <a:fld id="{C3A49E63-E1C2-4566-AFCD-6A43F4D5919C}" type="datetimeFigureOut">
               <a:rPr lang="zh-CN" altLang="en-US" smtClean="0"/>
-              <a:t>2025/5/2</a:t>
+              <a:t>2025/5/6</a:t>
             </a:fld>
             <a:endParaRPr lang="zh-CN" altLang="en-US"/>
           </a:p>
@@ -2668,7 +2668,7 @@
           <a:p>
             <a:fld id="{C3A49E63-E1C2-4566-AFCD-6A43F4D5919C}" type="datetimeFigureOut">
               <a:rPr lang="zh-CN" altLang="en-US" smtClean="0"/>
-              <a:t>2025/5/2</a:t>
+              <a:t>2025/5/6</a:t>
             </a:fld>
             <a:endParaRPr lang="zh-CN" altLang="en-US"/>
           </a:p>
@@ -2909,7 +2909,7 @@
           <a:p>
             <a:fld id="{C3A49E63-E1C2-4566-AFCD-6A43F4D5919C}" type="datetimeFigureOut">
               <a:rPr lang="zh-CN" altLang="en-US" smtClean="0"/>
-              <a:t>2025/5/2</a:t>
+              <a:t>2025/5/6</a:t>
             </a:fld>
             <a:endParaRPr lang="zh-CN" altLang="en-US"/>
           </a:p>
@@ -3348,8 +3348,8 @@
         </p:nvSpPr>
         <p:spPr>
           <a:xfrm>
-            <a:off x="2452841" y="551939"/>
-            <a:ext cx="7826991" cy="5622878"/>
+            <a:off x="2985104" y="803399"/>
+            <a:ext cx="6684336" cy="4817659"/>
           </a:xfrm>
           <a:prstGeom prst="roundRect">
             <a:avLst>
@@ -3575,7 +3575,7 @@
         </p:blipFill>
         <p:spPr>
           <a:xfrm>
-            <a:off x="3846333" y="967172"/>
+            <a:off x="3752678" y="803399"/>
             <a:ext cx="5040005" cy="5040005"/>
           </a:xfrm>
           <a:prstGeom prst="rect">
